--- a/Конференции/Конференция 2023 осень/Никифоров Перспективы развития мировой вероэнергетики.pptx
+++ b/Конференции/Конференция 2023 осень/Никифоров Перспективы развития мировой вероэнергетики.pptx
@@ -23,6 +23,7 @@
     <p:sldId id="272" r:id="rId17"/>
     <p:sldId id="273" r:id="rId18"/>
     <p:sldId id="274" r:id="rId19"/>
+    <p:sldId id="275" r:id="rId20"/>
   </p:sldIdLst>
   <p:sldSz cx="12192000" cy="6858000"/>
   <p:notesSz cx="7559675" cy="10691813"/>
@@ -544,11 +545,11 @@
           <c:showBubbleSize val="0"/>
         </c:dLbls>
         <c:smooth val="0"/>
-        <c:axId val="1814480496"/>
-        <c:axId val="1814482128"/>
+        <c:axId val="-34318672"/>
+        <c:axId val="-34318128"/>
       </c:lineChart>
       <c:catAx>
-        <c:axId val="1814480496"/>
+        <c:axId val="-34318672"/>
         <c:scaling>
           <c:orientation val="minMax"/>
         </c:scaling>
@@ -591,7 +592,7 @@
             <a:endParaRPr lang="ru-RU"/>
           </a:p>
         </c:txPr>
-        <c:crossAx val="1814482128"/>
+        <c:crossAx val="-34318128"/>
         <c:crosses val="autoZero"/>
         <c:auto val="1"/>
         <c:lblAlgn val="ctr"/>
@@ -599,7 +600,7 @@
         <c:noMultiLvlLbl val="0"/>
       </c:catAx>
       <c:valAx>
-        <c:axId val="1814482128"/>
+        <c:axId val="-34318128"/>
         <c:scaling>
           <c:orientation val="minMax"/>
         </c:scaling>
@@ -650,7 +651,7 @@
             <a:endParaRPr lang="ru-RU"/>
           </a:p>
         </c:txPr>
-        <c:crossAx val="1814480496"/>
+        <c:crossAx val="-34318672"/>
         <c:crosses val="autoZero"/>
         <c:crossBetween val="between"/>
       </c:valAx>
@@ -1136,11 +1137,11 @@
           <c:showBubbleSize val="0"/>
         </c:dLbls>
         <c:smooth val="0"/>
-        <c:axId val="1814483216"/>
-        <c:axId val="1814477232"/>
+        <c:axId val="-34316496"/>
+        <c:axId val="-180647120"/>
       </c:lineChart>
       <c:catAx>
-        <c:axId val="1814483216"/>
+        <c:axId val="-34316496"/>
         <c:scaling>
           <c:orientation val="minMax"/>
         </c:scaling>
@@ -1183,7 +1184,7 @@
             <a:endParaRPr lang="ru-RU"/>
           </a:p>
         </c:txPr>
-        <c:crossAx val="1814477232"/>
+        <c:crossAx val="-180647120"/>
         <c:crosses val="autoZero"/>
         <c:auto val="1"/>
         <c:lblAlgn val="ctr"/>
@@ -1191,7 +1192,7 @@
         <c:noMultiLvlLbl val="0"/>
       </c:catAx>
       <c:valAx>
-        <c:axId val="1814477232"/>
+        <c:axId val="-180647120"/>
         <c:scaling>
           <c:orientation val="minMax"/>
         </c:scaling>
@@ -1242,7 +1243,7 @@
             <a:endParaRPr lang="ru-RU"/>
           </a:p>
         </c:txPr>
-        <c:crossAx val="1814483216"/>
+        <c:crossAx val="-34316496"/>
         <c:crosses val="autoZero"/>
         <c:crossBetween val="between"/>
       </c:valAx>
@@ -1728,11 +1729,11 @@
           <c:showBubbleSize val="0"/>
         </c:dLbls>
         <c:smooth val="0"/>
-        <c:axId val="1814483760"/>
-        <c:axId val="1814472880"/>
+        <c:axId val="-117009184"/>
+        <c:axId val="-117014080"/>
       </c:lineChart>
       <c:catAx>
-        <c:axId val="1814483760"/>
+        <c:axId val="-117009184"/>
         <c:scaling>
           <c:orientation val="minMax"/>
         </c:scaling>
@@ -1775,7 +1776,7 @@
             <a:endParaRPr lang="ru-RU"/>
           </a:p>
         </c:txPr>
-        <c:crossAx val="1814472880"/>
+        <c:crossAx val="-117014080"/>
         <c:crosses val="autoZero"/>
         <c:auto val="1"/>
         <c:lblAlgn val="ctr"/>
@@ -1783,7 +1784,7 @@
         <c:noMultiLvlLbl val="0"/>
       </c:catAx>
       <c:valAx>
-        <c:axId val="1814472880"/>
+        <c:axId val="-117014080"/>
         <c:scaling>
           <c:orientation val="minMax"/>
         </c:scaling>
@@ -1834,7 +1835,7 @@
             <a:endParaRPr lang="ru-RU"/>
           </a:p>
         </c:txPr>
-        <c:crossAx val="1814483760"/>
+        <c:crossAx val="-117009184"/>
         <c:crosses val="autoZero"/>
         <c:crossBetween val="between"/>
       </c:valAx>
@@ -2320,11 +2321,11 @@
           <c:showBubbleSize val="0"/>
         </c:dLbls>
         <c:smooth val="0"/>
-        <c:axId val="1814477776"/>
-        <c:axId val="1814478864"/>
+        <c:axId val="-117015712"/>
+        <c:axId val="-117012448"/>
       </c:lineChart>
       <c:catAx>
-        <c:axId val="1814477776"/>
+        <c:axId val="-117015712"/>
         <c:scaling>
           <c:orientation val="minMax"/>
         </c:scaling>
@@ -2367,7 +2368,7 @@
             <a:endParaRPr lang="ru-RU"/>
           </a:p>
         </c:txPr>
-        <c:crossAx val="1814478864"/>
+        <c:crossAx val="-117012448"/>
         <c:crosses val="autoZero"/>
         <c:auto val="1"/>
         <c:lblAlgn val="ctr"/>
@@ -2375,7 +2376,7 @@
         <c:noMultiLvlLbl val="0"/>
       </c:catAx>
       <c:valAx>
-        <c:axId val="1814478864"/>
+        <c:axId val="-117012448"/>
         <c:scaling>
           <c:orientation val="minMax"/>
         </c:scaling>
@@ -2426,7 +2427,7 @@
             <a:endParaRPr lang="ru-RU"/>
           </a:p>
         </c:txPr>
-        <c:crossAx val="1814477776"/>
+        <c:crossAx val="-117015712"/>
         <c:crosses val="autoZero"/>
         <c:crossBetween val="between"/>
       </c:valAx>
@@ -8525,7 +8526,7 @@
     <mc:Choice Requires="p14">
       <p:transition spd="slow" p14:dur="2000"/>
     </mc:Choice>
-    <mc:Fallback xmlns="" xmlns:p15="http://schemas.microsoft.com/office/powerpoint/2012/main">
+    <mc:Fallback xmlns:p15="http://schemas.microsoft.com/office/powerpoint/2012/main" xmlns="">
       <p:transition spd="slow"/>
     </mc:Fallback>
   </mc:AlternateContent>
@@ -8594,11 +8595,35 @@
               </a:buClr>
             </a:pPr>
             <a:r>
+              <a:rPr lang="ru-RU" sz="2800" dirty="0">
+                <a:latin typeface="Times New Roman" panose="02020603050405020304" pitchFamily="18" charset="0"/>
+                <a:cs typeface="Times New Roman" panose="02020603050405020304" pitchFamily="18" charset="0"/>
+              </a:rPr>
+              <a:t>В качестве основного уравнения будем использовать модель Басса в трёх её исполнениях:</a:t>
+            </a:r>
+          </a:p>
+          <a:p>
+            <a:pPr>
+              <a:spcBef>
+                <a:spcPts val="1001"/>
+              </a:spcBef>
+              <a:buClr>
+                <a:srgbClr val="000000"/>
+              </a:buClr>
+            </a:pPr>
+            <a:r>
               <a:rPr lang="ru-RU" sz="2800" dirty="0" smtClean="0">
                 <a:latin typeface="Times New Roman" panose="02020603050405020304" pitchFamily="18" charset="0"/>
                 <a:cs typeface="Times New Roman" panose="02020603050405020304" pitchFamily="18" charset="0"/>
               </a:rPr>
-              <a:t>Базовая модель:</a:t>
+              <a:t>Базовая </a:t>
+            </a:r>
+            <a:r>
+              <a:rPr lang="ru-RU" sz="2800" dirty="0" smtClean="0">
+                <a:latin typeface="Times New Roman" panose="02020603050405020304" pitchFamily="18" charset="0"/>
+                <a:cs typeface="Times New Roman" panose="02020603050405020304" pitchFamily="18" charset="0"/>
+              </a:rPr>
+              <a:t>модель:</a:t>
             </a:r>
           </a:p>
           <a:p>
@@ -8739,7 +8764,7 @@
         </p:blipFill>
         <p:spPr>
           <a:xfrm>
-            <a:off x="653142" y="983116"/>
+            <a:off x="653142" y="1984601"/>
             <a:ext cx="6076950" cy="885825"/>
           </a:xfrm>
           <a:prstGeom prst="rect">
@@ -8763,7 +8788,7 @@
         </p:blipFill>
         <p:spPr>
           <a:xfrm>
-            <a:off x="653142" y="2485480"/>
+            <a:off x="624567" y="3378584"/>
             <a:ext cx="6134100" cy="1085850"/>
           </a:xfrm>
           <a:prstGeom prst="rect">
@@ -8787,7 +8812,7 @@
         </p:blipFill>
         <p:spPr>
           <a:xfrm>
-            <a:off x="567417" y="4379595"/>
+            <a:off x="1889759" y="5001777"/>
             <a:ext cx="6162675" cy="1390650"/>
           </a:xfrm>
           <a:prstGeom prst="rect">
@@ -8809,7 +8834,7 @@
     <mc:Choice Requires="p14">
       <p:transition spd="slow" p14:dur="2000"/>
     </mc:Choice>
-    <mc:Fallback xmlns="" xmlns:p15="http://schemas.microsoft.com/office/powerpoint/2012/main">
+    <mc:Fallback xmlns:p15="http://schemas.microsoft.com/office/powerpoint/2012/main" xmlns="">
       <p:transition spd="slow"/>
     </mc:Fallback>
   </mc:AlternateContent>
@@ -9045,7 +9070,7 @@
     <mc:Choice Requires="p14">
       <p:transition spd="slow" p14:dur="2000"/>
     </mc:Choice>
-    <mc:Fallback xmlns="" xmlns:p15="http://schemas.microsoft.com/office/powerpoint/2012/main">
+    <mc:Fallback xmlns:p15="http://schemas.microsoft.com/office/powerpoint/2012/main" xmlns="">
       <p:transition spd="slow"/>
     </mc:Fallback>
   </mc:AlternateContent>
@@ -9277,7 +9302,7 @@
     <mc:Choice Requires="p14">
       <p:transition spd="slow" p14:dur="2000"/>
     </mc:Choice>
-    <mc:Fallback xmlns="" xmlns:p15="http://schemas.microsoft.com/office/powerpoint/2012/main">
+    <mc:Fallback xmlns:p15="http://schemas.microsoft.com/office/powerpoint/2012/main" xmlns="">
       <p:transition spd="slow"/>
     </mc:Fallback>
   </mc:AlternateContent>
@@ -9509,7 +9534,7 @@
     <mc:Choice Requires="p14">
       <p:transition spd="slow" p14:dur="2000"/>
     </mc:Choice>
-    <mc:Fallback xmlns="" xmlns:p15="http://schemas.microsoft.com/office/powerpoint/2012/main">
+    <mc:Fallback xmlns:p15="http://schemas.microsoft.com/office/powerpoint/2012/main" xmlns="">
       <p:transition spd="slow"/>
     </mc:Fallback>
   </mc:AlternateContent>
@@ -9741,7 +9766,7 @@
     <mc:Choice Requires="p14">
       <p:transition spd="slow" p14:dur="2000"/>
     </mc:Choice>
-    <mc:Fallback xmlns="" xmlns:p15="http://schemas.microsoft.com/office/powerpoint/2012/main">
+    <mc:Fallback xmlns:p15="http://schemas.microsoft.com/office/powerpoint/2012/main" xmlns="">
       <p:transition spd="slow"/>
     </mc:Fallback>
   </mc:AlternateContent>
@@ -9980,7 +10005,7 @@
     <mc:Choice Requires="p14">
       <p:transition spd="slow" p14:dur="2000"/>
     </mc:Choice>
-    <mc:Fallback xmlns="" xmlns:p15="http://schemas.microsoft.com/office/powerpoint/2012/main">
+    <mc:Fallback xmlns:p15="http://schemas.microsoft.com/office/powerpoint/2012/main" xmlns="">
       <p:transition spd="slow"/>
     </mc:Fallback>
   </mc:AlternateContent>
@@ -10122,7 +10147,7 @@
           <p:cNvPr id="6" name="Диаграмма 5">
             <a:extLst>
               <a:ext uri="{FF2B5EF4-FFF2-40B4-BE49-F238E27FC236}">
-                <a16:creationId xmlns:wpc="http://schemas.microsoft.com/office/word/2010/wordprocessingCanvas" xmlns:mc="http://schemas.openxmlformats.org/markup-compatibility/2006" xmlns:m="http://schemas.openxmlformats.org/officeDocument/2006/math" xmlns:wp14="http://schemas.microsoft.com/office/word/2010/wordprocessingDrawing" xmlns:wp="http://schemas.openxmlformats.org/drawingml/2006/wordprocessingDrawing" xmlns:w14="http://schemas.microsoft.com/office/word/2010/wordml" xmlns:w15="http://schemas.microsoft.com/office/word/2012/wordml" xmlns:wpg="http://schemas.microsoft.com/office/word/2010/wordprocessingGroup" xmlns:wpi="http://schemas.microsoft.com/office/word/2010/wordprocessingInk" xmlns:wne="http://schemas.microsoft.com/office/word/2006/wordml" xmlns:wps="http://schemas.microsoft.com/office/word/2010/wordprocessingShape" xmlns:a16="http://schemas.microsoft.com/office/drawing/2014/main" xmlns:w16se="http://schemas.microsoft.com/office/word/2015/wordml/symex" xmlns:w="http://schemas.openxmlformats.org/wordprocessingml/2006/main" xmlns:w10="urn:schemas-microsoft-com:office:word" xmlns:v="urn:schemas-microsoft-com:vml" xmlns:o="urn:schemas-microsoft-com:office:office" xmlns:cx1="http://schemas.microsoft.com/office/drawing/2015/9/8/chartex" xmlns:cx="http://schemas.microsoft.com/office/drawing/2014/chartex" xmlns="" xmlns:arto="http://schemas.microsoft.com/office/word/2006/arto" xmlns:lc="http://schemas.openxmlformats.org/drawingml/2006/lockedCanvas" id="{00000000-0008-0000-0100-000013000000}"/>
+                <a16:creationId xmlns:lc="http://schemas.openxmlformats.org/drawingml/2006/lockedCanvas" xmlns:arto="http://schemas.microsoft.com/office/word/2006/arto" xmlns="" xmlns:cx="http://schemas.microsoft.com/office/drawing/2014/chartex" xmlns:cx1="http://schemas.microsoft.com/office/drawing/2015/9/8/chartex" xmlns:o="urn:schemas-microsoft-com:office:office" xmlns:v="urn:schemas-microsoft-com:vml" xmlns:w10="urn:schemas-microsoft-com:office:word" xmlns:w="http://schemas.openxmlformats.org/wordprocessingml/2006/main" xmlns:w16se="http://schemas.microsoft.com/office/word/2015/wordml/symex" xmlns:a16="http://schemas.microsoft.com/office/drawing/2014/main" xmlns:wps="http://schemas.microsoft.com/office/word/2010/wordprocessingShape" xmlns:wne="http://schemas.microsoft.com/office/word/2006/wordml" xmlns:wpi="http://schemas.microsoft.com/office/word/2010/wordprocessingInk" xmlns:wpg="http://schemas.microsoft.com/office/word/2010/wordprocessingGroup" xmlns:w15="http://schemas.microsoft.com/office/word/2012/wordml" xmlns:w14="http://schemas.microsoft.com/office/word/2010/wordml" xmlns:wp="http://schemas.openxmlformats.org/drawingml/2006/wordprocessingDrawing" xmlns:wp14="http://schemas.microsoft.com/office/word/2010/wordprocessingDrawing" xmlns:m="http://schemas.openxmlformats.org/officeDocument/2006/math" xmlns:mc="http://schemas.openxmlformats.org/markup-compatibility/2006" xmlns:wpc="http://schemas.microsoft.com/office/word/2010/wordprocessingCanvas" id="{00000000-0008-0000-0100-000013000000}"/>
               </a:ext>
             </a:extLst>
           </p:cNvPr>
@@ -10150,7 +10175,7 @@
           <p:cNvPr id="7" name="Диаграмма 6">
             <a:extLst>
               <a:ext uri="{FF2B5EF4-FFF2-40B4-BE49-F238E27FC236}">
-                <a16:creationId xmlns:wpc="http://schemas.microsoft.com/office/word/2010/wordprocessingCanvas" xmlns:mc="http://schemas.openxmlformats.org/markup-compatibility/2006" xmlns:m="http://schemas.openxmlformats.org/officeDocument/2006/math" xmlns:wp14="http://schemas.microsoft.com/office/word/2010/wordprocessingDrawing" xmlns:wp="http://schemas.openxmlformats.org/drawingml/2006/wordprocessingDrawing" xmlns:w14="http://schemas.microsoft.com/office/word/2010/wordml" xmlns:w15="http://schemas.microsoft.com/office/word/2012/wordml" xmlns:wpg="http://schemas.microsoft.com/office/word/2010/wordprocessingGroup" xmlns:wpi="http://schemas.microsoft.com/office/word/2010/wordprocessingInk" xmlns:wne="http://schemas.microsoft.com/office/word/2006/wordml" xmlns:wps="http://schemas.microsoft.com/office/word/2010/wordprocessingShape" xmlns:a16="http://schemas.microsoft.com/office/drawing/2014/main" xmlns:w16se="http://schemas.microsoft.com/office/word/2015/wordml/symex" xmlns:w="http://schemas.openxmlformats.org/wordprocessingml/2006/main" xmlns:w10="urn:schemas-microsoft-com:office:word" xmlns:v="urn:schemas-microsoft-com:vml" xmlns:o="urn:schemas-microsoft-com:office:office" xmlns:cx1="http://schemas.microsoft.com/office/drawing/2015/9/8/chartex" xmlns:cx="http://schemas.microsoft.com/office/drawing/2014/chartex" xmlns="" xmlns:arto="http://schemas.microsoft.com/office/word/2006/arto" xmlns:lc="http://schemas.openxmlformats.org/drawingml/2006/lockedCanvas" id="{00000000-0008-0000-0100-000018000000}"/>
+                <a16:creationId xmlns:lc="http://schemas.openxmlformats.org/drawingml/2006/lockedCanvas" xmlns:arto="http://schemas.microsoft.com/office/word/2006/arto" xmlns="" xmlns:cx="http://schemas.microsoft.com/office/drawing/2014/chartex" xmlns:cx1="http://schemas.microsoft.com/office/drawing/2015/9/8/chartex" xmlns:o="urn:schemas-microsoft-com:office:office" xmlns:v="urn:schemas-microsoft-com:vml" xmlns:w10="urn:schemas-microsoft-com:office:word" xmlns:w="http://schemas.openxmlformats.org/wordprocessingml/2006/main" xmlns:w16se="http://schemas.microsoft.com/office/word/2015/wordml/symex" xmlns:a16="http://schemas.microsoft.com/office/drawing/2014/main" xmlns:wps="http://schemas.microsoft.com/office/word/2010/wordprocessingShape" xmlns:wne="http://schemas.microsoft.com/office/word/2006/wordml" xmlns:wpi="http://schemas.microsoft.com/office/word/2010/wordprocessingInk" xmlns:wpg="http://schemas.microsoft.com/office/word/2010/wordprocessingGroup" xmlns:w15="http://schemas.microsoft.com/office/word/2012/wordml" xmlns:w14="http://schemas.microsoft.com/office/word/2010/wordml" xmlns:wp="http://schemas.openxmlformats.org/drawingml/2006/wordprocessingDrawing" xmlns:wp14="http://schemas.microsoft.com/office/word/2010/wordprocessingDrawing" xmlns:m="http://schemas.openxmlformats.org/officeDocument/2006/math" xmlns:mc="http://schemas.openxmlformats.org/markup-compatibility/2006" xmlns:wpc="http://schemas.microsoft.com/office/word/2010/wordprocessingCanvas" id="{00000000-0008-0000-0100-000018000000}"/>
               </a:ext>
             </a:extLst>
           </p:cNvPr>
@@ -10261,7 +10286,7 @@
     <mc:Choice Requires="p14">
       <p:transition spd="slow" p14:dur="2000"/>
     </mc:Choice>
-    <mc:Fallback xmlns="" xmlns:p15="http://schemas.microsoft.com/office/powerpoint/2012/main">
+    <mc:Fallback xmlns:p15="http://schemas.microsoft.com/office/powerpoint/2012/main" xmlns="">
       <p:transition spd="slow"/>
     </mc:Fallback>
   </mc:AlternateContent>
@@ -10403,7 +10428,7 @@
           <p:cNvPr id="10" name="Диаграмма 9">
             <a:extLst>
               <a:ext uri="{FF2B5EF4-FFF2-40B4-BE49-F238E27FC236}">
-                <a16:creationId xmlns:wpc="http://schemas.microsoft.com/office/word/2010/wordprocessingCanvas" xmlns:mc="http://schemas.openxmlformats.org/markup-compatibility/2006" xmlns:m="http://schemas.openxmlformats.org/officeDocument/2006/math" xmlns:wp14="http://schemas.microsoft.com/office/word/2010/wordprocessingDrawing" xmlns:wp="http://schemas.openxmlformats.org/drawingml/2006/wordprocessingDrawing" xmlns:w14="http://schemas.microsoft.com/office/word/2010/wordml" xmlns:w15="http://schemas.microsoft.com/office/word/2012/wordml" xmlns:wpg="http://schemas.microsoft.com/office/word/2010/wordprocessingGroup" xmlns:wpi="http://schemas.microsoft.com/office/word/2010/wordprocessingInk" xmlns:wne="http://schemas.microsoft.com/office/word/2006/wordml" xmlns:wps="http://schemas.microsoft.com/office/word/2010/wordprocessingShape" xmlns:a16="http://schemas.microsoft.com/office/drawing/2014/main" xmlns:w16se="http://schemas.microsoft.com/office/word/2015/wordml/symex" xmlns:w="http://schemas.openxmlformats.org/wordprocessingml/2006/main" xmlns:w10="urn:schemas-microsoft-com:office:word" xmlns:v="urn:schemas-microsoft-com:vml" xmlns:o="urn:schemas-microsoft-com:office:office" xmlns:cx1="http://schemas.microsoft.com/office/drawing/2015/9/8/chartex" xmlns:cx="http://schemas.microsoft.com/office/drawing/2014/chartex" xmlns="" xmlns:arto="http://schemas.microsoft.com/office/word/2006/arto" xmlns:lc="http://schemas.openxmlformats.org/drawingml/2006/lockedCanvas" id="{00000000-0008-0000-0100-00001C000000}"/>
+                <a16:creationId xmlns:lc="http://schemas.openxmlformats.org/drawingml/2006/lockedCanvas" xmlns:arto="http://schemas.microsoft.com/office/word/2006/arto" xmlns="" xmlns:cx="http://schemas.microsoft.com/office/drawing/2014/chartex" xmlns:cx1="http://schemas.microsoft.com/office/drawing/2015/9/8/chartex" xmlns:o="urn:schemas-microsoft-com:office:office" xmlns:v="urn:schemas-microsoft-com:vml" xmlns:w10="urn:schemas-microsoft-com:office:word" xmlns:w="http://schemas.openxmlformats.org/wordprocessingml/2006/main" xmlns:w16se="http://schemas.microsoft.com/office/word/2015/wordml/symex" xmlns:a16="http://schemas.microsoft.com/office/drawing/2014/main" xmlns:wps="http://schemas.microsoft.com/office/word/2010/wordprocessingShape" xmlns:wne="http://schemas.microsoft.com/office/word/2006/wordml" xmlns:wpi="http://schemas.microsoft.com/office/word/2010/wordprocessingInk" xmlns:wpg="http://schemas.microsoft.com/office/word/2010/wordprocessingGroup" xmlns:w15="http://schemas.microsoft.com/office/word/2012/wordml" xmlns:w14="http://schemas.microsoft.com/office/word/2010/wordml" xmlns:wp="http://schemas.openxmlformats.org/drawingml/2006/wordprocessingDrawing" xmlns:wp14="http://schemas.microsoft.com/office/word/2010/wordprocessingDrawing" xmlns:m="http://schemas.openxmlformats.org/officeDocument/2006/math" xmlns:mc="http://schemas.openxmlformats.org/markup-compatibility/2006" xmlns:wpc="http://schemas.microsoft.com/office/word/2010/wordprocessingCanvas" id="{00000000-0008-0000-0100-00001C000000}"/>
               </a:ext>
             </a:extLst>
           </p:cNvPr>
@@ -10431,7 +10456,7 @@
           <p:cNvPr id="11" name="Диаграмма 10">
             <a:extLst>
               <a:ext uri="{FF2B5EF4-FFF2-40B4-BE49-F238E27FC236}">
-                <a16:creationId xmlns:wpc="http://schemas.microsoft.com/office/word/2010/wordprocessingCanvas" xmlns:mc="http://schemas.openxmlformats.org/markup-compatibility/2006" xmlns:m="http://schemas.openxmlformats.org/officeDocument/2006/math" xmlns:wp14="http://schemas.microsoft.com/office/word/2010/wordprocessingDrawing" xmlns:wp="http://schemas.openxmlformats.org/drawingml/2006/wordprocessingDrawing" xmlns:w14="http://schemas.microsoft.com/office/word/2010/wordml" xmlns:w15="http://schemas.microsoft.com/office/word/2012/wordml" xmlns:wpg="http://schemas.microsoft.com/office/word/2010/wordprocessingGroup" xmlns:wpi="http://schemas.microsoft.com/office/word/2010/wordprocessingInk" xmlns:wne="http://schemas.microsoft.com/office/word/2006/wordml" xmlns:wps="http://schemas.microsoft.com/office/word/2010/wordprocessingShape" xmlns:a16="http://schemas.microsoft.com/office/drawing/2014/main" xmlns:w16se="http://schemas.microsoft.com/office/word/2015/wordml/symex" xmlns:w="http://schemas.openxmlformats.org/wordprocessingml/2006/main" xmlns:w10="urn:schemas-microsoft-com:office:word" xmlns:v="urn:schemas-microsoft-com:vml" xmlns:o="urn:schemas-microsoft-com:office:office" xmlns:cx1="http://schemas.microsoft.com/office/drawing/2015/9/8/chartex" xmlns:cx="http://schemas.microsoft.com/office/drawing/2014/chartex" xmlns="" xmlns:arto="http://schemas.microsoft.com/office/word/2006/arto" xmlns:lc="http://schemas.openxmlformats.org/drawingml/2006/lockedCanvas" id="{00000000-0008-0000-0100-000024000000}"/>
+                <a16:creationId xmlns:lc="http://schemas.openxmlformats.org/drawingml/2006/lockedCanvas" xmlns:arto="http://schemas.microsoft.com/office/word/2006/arto" xmlns="" xmlns:cx="http://schemas.microsoft.com/office/drawing/2014/chartex" xmlns:cx1="http://schemas.microsoft.com/office/drawing/2015/9/8/chartex" xmlns:o="urn:schemas-microsoft-com:office:office" xmlns:v="urn:schemas-microsoft-com:vml" xmlns:w10="urn:schemas-microsoft-com:office:word" xmlns:w="http://schemas.openxmlformats.org/wordprocessingml/2006/main" xmlns:w16se="http://schemas.microsoft.com/office/word/2015/wordml/symex" xmlns:a16="http://schemas.microsoft.com/office/drawing/2014/main" xmlns:wps="http://schemas.microsoft.com/office/word/2010/wordprocessingShape" xmlns:wne="http://schemas.microsoft.com/office/word/2006/wordml" xmlns:wpi="http://schemas.microsoft.com/office/word/2010/wordprocessingInk" xmlns:wpg="http://schemas.microsoft.com/office/word/2010/wordprocessingGroup" xmlns:w15="http://schemas.microsoft.com/office/word/2012/wordml" xmlns:w14="http://schemas.microsoft.com/office/word/2010/wordml" xmlns:wp="http://schemas.openxmlformats.org/drawingml/2006/wordprocessingDrawing" xmlns:wp14="http://schemas.microsoft.com/office/word/2010/wordprocessingDrawing" xmlns:m="http://schemas.openxmlformats.org/officeDocument/2006/math" xmlns:mc="http://schemas.openxmlformats.org/markup-compatibility/2006" xmlns:wpc="http://schemas.microsoft.com/office/word/2010/wordprocessingCanvas" id="{00000000-0008-0000-0100-000024000000}"/>
               </a:ext>
             </a:extLst>
           </p:cNvPr>
@@ -10542,7 +10567,7 @@
     <mc:Choice Requires="p14">
       <p:transition spd="slow" p14:dur="2000"/>
     </mc:Choice>
-    <mc:Fallback xmlns="" xmlns:p15="http://schemas.microsoft.com/office/powerpoint/2012/main">
+    <mc:Fallback xmlns:p15="http://schemas.microsoft.com/office/powerpoint/2012/main" xmlns="">
       <p:transition spd="slow"/>
     </mc:Fallback>
   </mc:AlternateContent>
@@ -10640,7 +10665,7 @@
         <p:spPr>
           <a:xfrm>
             <a:off x="1155405" y="1122456"/>
-            <a:ext cx="9817394" cy="1754326"/>
+            <a:ext cx="9817394" cy="2862322"/>
           </a:xfrm>
           <a:prstGeom prst="rect">
             <a:avLst/>
@@ -10653,11 +10678,54 @@
           <a:lstStyle/>
           <a:p>
             <a:r>
+              <a:rPr lang="ru-RU" dirty="0" smtClean="0">
+                <a:latin typeface="Times New Roman" panose="02020603050405020304" pitchFamily="18" charset="0"/>
+                <a:cs typeface="Times New Roman" panose="02020603050405020304" pitchFamily="18" charset="0"/>
+              </a:rPr>
+              <a:t>Вывод:</a:t>
+            </a:r>
+          </a:p>
+          <a:p>
+            <a:endParaRPr lang="ru-RU" dirty="0">
+              <a:latin typeface="Times New Roman" panose="02020603050405020304" pitchFamily="18" charset="0"/>
+              <a:cs typeface="Times New Roman" panose="02020603050405020304" pitchFamily="18" charset="0"/>
+            </a:endParaRPr>
+          </a:p>
+          <a:p>
+            <a:r>
+              <a:rPr lang="ru-RU" b="1" spc="-1" dirty="0" smtClean="0">
+                <a:solidFill>
+                  <a:srgbClr val="000000"/>
+                </a:solidFill>
+                <a:latin typeface="Times New Roman"/>
+              </a:rPr>
+              <a:t>Мировая ветроэнергетика развивается и будет развиваться! </a:t>
+            </a:r>
+            <a:endParaRPr lang="ru-RU" dirty="0" smtClean="0">
+              <a:latin typeface="Times New Roman" panose="02020603050405020304" pitchFamily="18" charset="0"/>
+              <a:cs typeface="Times New Roman" panose="02020603050405020304" pitchFamily="18" charset="0"/>
+            </a:endParaRPr>
+          </a:p>
+          <a:p>
+            <a:endParaRPr lang="ru-RU" dirty="0" smtClean="0">
+              <a:latin typeface="Times New Roman" panose="02020603050405020304" pitchFamily="18" charset="0"/>
+              <a:cs typeface="Times New Roman" panose="02020603050405020304" pitchFamily="18" charset="0"/>
+            </a:endParaRPr>
+          </a:p>
+          <a:p>
+            <a:r>
+              <a:rPr lang="ru-RU" dirty="0" smtClean="0">
+                <a:latin typeface="Times New Roman" panose="02020603050405020304" pitchFamily="18" charset="0"/>
+                <a:cs typeface="Times New Roman" panose="02020603050405020304" pitchFamily="18" charset="0"/>
+              </a:rPr>
+              <a:t>Развитие </a:t>
+            </a:r>
+            <a:r>
               <a:rPr lang="ru-RU" dirty="0">
                 <a:latin typeface="Times New Roman" panose="02020603050405020304" pitchFamily="18" charset="0"/>
                 <a:cs typeface="Times New Roman" panose="02020603050405020304" pitchFamily="18" charset="0"/>
               </a:rPr>
-              <a:t>Развитие мировой ветроэнергетики представляет собой перспективное направление в сфере возобновляемых источников энергии. Благодаря технологическим инновациям, увеличению эффективности ветрогенераторов и снижению стоимости производства, ветровая энергия становится все более конкурентоспособной. </a:t>
+              <a:t>мировой ветроэнергетики представляет собой перспективное направление в сфере возобновляемых источников энергии. Благодаря технологическим инновациям, увеличению эффективности ветрогенераторов и снижению стоимости производства, ветровая энергия становится все более конкурентоспособной. </a:t>
             </a:r>
             <a:r>
               <a:rPr lang="ru-RU" dirty="0" smtClean="0">
@@ -10691,7 +10759,142 @@
     <mc:Choice Requires="p14">
       <p:transition spd="slow" p14:dur="2000"/>
     </mc:Choice>
-    <mc:Fallback xmlns="" xmlns:p15="http://schemas.microsoft.com/office/powerpoint/2012/main">
+    <mc:Fallback xmlns:p15="http://schemas.microsoft.com/office/powerpoint/2012/main" xmlns="">
+      <p:transition spd="slow"/>
+    </mc:Fallback>
+  </mc:AlternateContent>
+  <p:timing>
+    <p:tnLst>
+      <p:par>
+        <p:cTn id="1" dur="indefinite" restart="never" nodeType="tmRoot"/>
+      </p:par>
+    </p:tnLst>
+  </p:timing>
+</p:sld>
+</file>
+
+<file path=ppt/slides/slide19.xml><?xml version="1.0" encoding="utf-8"?>
+<p:sld xmlns:a="http://schemas.openxmlformats.org/drawingml/2006/main" xmlns:r="http://schemas.openxmlformats.org/officeDocument/2006/relationships" xmlns:p="http://schemas.openxmlformats.org/presentationml/2006/main">
+  <p:cSld>
+    <p:spTree>
+      <p:nvGrpSpPr>
+        <p:cNvPr id="1" name=""/>
+        <p:cNvGrpSpPr/>
+        <p:nvPr/>
+      </p:nvGrpSpPr>
+      <p:grpSpPr>
+        <a:xfrm>
+          <a:off x="0" y="0"/>
+          <a:ext cx="0" cy="0"/>
+          <a:chOff x="0" y="0"/>
+          <a:chExt cx="0" cy="0"/>
+        </a:xfrm>
+      </p:grpSpPr>
+      <p:sp>
+        <p:nvSpPr>
+          <p:cNvPr id="45" name="PlaceHolder 1"/>
+          <p:cNvSpPr>
+            <a:spLocks noGrp="1"/>
+          </p:cNvSpPr>
+          <p:nvPr>
+            <p:ph type="subTitle"/>
+          </p:nvPr>
+        </p:nvSpPr>
+        <p:spPr>
+          <a:xfrm>
+            <a:off x="653142" y="505096"/>
+            <a:ext cx="10319657" cy="5625737"/>
+          </a:xfrm>
+          <a:prstGeom prst="rect">
+            <a:avLst/>
+          </a:prstGeom>
+          <a:noFill/>
+          <a:ln w="0">
+            <a:noFill/>
+          </a:ln>
+        </p:spPr>
+        <p:txBody>
+          <a:bodyPr lIns="0" tIns="0" rIns="0" bIns="0" anchor="t">
+            <a:noAutofit/>
+          </a:bodyPr>
+          <a:lstStyle/>
+          <a:p>
+            <a:pPr>
+              <a:spcBef>
+                <a:spcPts val="1001"/>
+              </a:spcBef>
+              <a:buClr>
+                <a:srgbClr val="000000"/>
+              </a:buClr>
+            </a:pPr>
+            <a:endParaRPr lang="ru-RU" sz="2800" dirty="0" smtClean="0">
+              <a:latin typeface="Times New Roman" panose="02020603050405020304" pitchFamily="18" charset="0"/>
+              <a:cs typeface="Times New Roman" panose="02020603050405020304" pitchFamily="18" charset="0"/>
+            </a:endParaRPr>
+          </a:p>
+          <a:p>
+            <a:pPr>
+              <a:spcBef>
+                <a:spcPts val="1001"/>
+              </a:spcBef>
+              <a:buClr>
+                <a:srgbClr val="000000"/>
+              </a:buClr>
+            </a:pPr>
+            <a:endParaRPr lang="ru-RU" sz="2800" baseline="0" dirty="0" smtClean="0">
+              <a:latin typeface="Times New Roman" panose="02020603050405020304" pitchFamily="18" charset="0"/>
+              <a:cs typeface="Times New Roman" panose="02020603050405020304" pitchFamily="18" charset="0"/>
+            </a:endParaRPr>
+          </a:p>
+        </p:txBody>
+      </p:sp>
+      <p:sp>
+        <p:nvSpPr>
+          <p:cNvPr id="2" name="Прямоугольник 1"/>
+          <p:cNvSpPr/>
+          <p:nvPr/>
+        </p:nvSpPr>
+        <p:spPr>
+          <a:xfrm>
+            <a:off x="3393508" y="2803210"/>
+            <a:ext cx="9817394" cy="646331"/>
+          </a:xfrm>
+          <a:prstGeom prst="rect">
+            <a:avLst/>
+          </a:prstGeom>
+        </p:spPr>
+        <p:txBody>
+          <a:bodyPr wrap="square">
+            <a:spAutoFit/>
+          </a:bodyPr>
+          <a:lstStyle/>
+          <a:p>
+            <a:r>
+              <a:rPr lang="ru-RU" sz="3600" dirty="0" smtClean="0">
+                <a:latin typeface="Times New Roman" panose="02020603050405020304" pitchFamily="18" charset="0"/>
+                <a:cs typeface="Times New Roman" panose="02020603050405020304" pitchFamily="18" charset="0"/>
+              </a:rPr>
+              <a:t>Спасибо за внимание!</a:t>
+            </a:r>
+            <a:endParaRPr lang="ru-RU" sz="3600" dirty="0"/>
+          </a:p>
+        </p:txBody>
+      </p:sp>
+    </p:spTree>
+    <p:extLst>
+      <p:ext uri="{BB962C8B-B14F-4D97-AF65-F5344CB8AC3E}">
+        <p14:creationId xmlns:p14="http://schemas.microsoft.com/office/powerpoint/2010/main" val="2453580104"/>
+      </p:ext>
+    </p:extLst>
+  </p:cSld>
+  <p:clrMapOvr>
+    <a:masterClrMapping/>
+  </p:clrMapOvr>
+  <mc:AlternateContent xmlns:mc="http://schemas.openxmlformats.org/markup-compatibility/2006" xmlns:p14="http://schemas.microsoft.com/office/powerpoint/2010/main">
+    <mc:Choice Requires="p14">
+      <p:transition spd="slow" p14:dur="2000"/>
+    </mc:Choice>
+    <mc:Fallback xmlns:p15="http://schemas.microsoft.com/office/powerpoint/2012/main" xmlns="">
       <p:transition spd="slow"/>
     </mc:Fallback>
   </mc:AlternateContent>
@@ -10803,7 +11006,7 @@
     <mc:Choice Requires="p14">
       <p:transition spd="slow" p14:dur="2000"/>
     </mc:Choice>
-    <mc:Fallback xmlns="" xmlns:p15="http://schemas.microsoft.com/office/powerpoint/2012/main">
+    <mc:Fallback xmlns:p15="http://schemas.microsoft.com/office/powerpoint/2012/main" xmlns="">
       <p:transition spd="slow"/>
     </mc:Fallback>
   </mc:AlternateContent>
@@ -10834,434 +11037,322 @@
           <a:chExt cx="0" cy="0"/>
         </a:xfrm>
       </p:grpSpPr>
-      <mc:AlternateContent xmlns:mc="http://schemas.openxmlformats.org/markup-compatibility/2006" xmlns:a14="http://schemas.microsoft.com/office/drawing/2010/main">
-        <mc:Choice Requires="a14">
-          <p:sp>
-            <p:nvSpPr>
-              <p:cNvPr id="45" name="PlaceHolder 1"/>
-              <p:cNvSpPr>
-                <a:spLocks noGrp="1"/>
-              </p:cNvSpPr>
-              <p:nvPr>
-                <p:ph type="subTitle"/>
-              </p:nvPr>
-            </p:nvSpPr>
-            <p:spPr>
-              <a:xfrm>
-                <a:off x="534960" y="696959"/>
-                <a:ext cx="10514880" cy="5869304"/>
-              </a:xfrm>
-              <a:prstGeom prst="rect">
-                <a:avLst/>
-              </a:prstGeom>
-              <a:noFill/>
-              <a:ln w="0">
-                <a:noFill/>
-              </a:ln>
-            </p:spPr>
-            <p:txBody>
-              <a:bodyPr lIns="0" tIns="0" rIns="0" bIns="0" anchor="ctr">
-                <a:noAutofit/>
-              </a:bodyPr>
-              <a:lstStyle/>
-              <a:p>
-                <a:pPr marL="228600" indent="-228600">
-                  <a:spcBef>
-                    <a:spcPts val="1001"/>
-                  </a:spcBef>
-                  <a:buClr>
-                    <a:srgbClr val="000000"/>
-                  </a:buClr>
-                  <a:buFont typeface="Arial"/>
-                  <a:buChar char="•"/>
-                </a:pPr>
-                <a:r>
-                  <a:rPr lang="ru-RU" sz="2800" dirty="0" smtClean="0"/>
-                  <a:t>Рост </a:t>
-                </a:r>
-                <a:r>
-                  <a:rPr lang="ru-RU" sz="2800" dirty="0"/>
-                  <a:t>производства электроэнергии является линейным, и оценка регрессии может быть оценена на </a:t>
-                </a:r>
-                <a:r>
-                  <a:rPr lang="ru-RU" sz="2800" dirty="0" smtClean="0"/>
-                  <a:t>наборе данных </a:t>
-                </a:r>
-                <a:r>
-                  <a:rPr lang="ru-RU" sz="2800" spc="-1" dirty="0"/>
-                  <a:t>пяти </a:t>
-                </a:r>
-                <a:r>
-                  <a:rPr lang="ru-RU" sz="2800" spc="-1" dirty="0" smtClean="0"/>
-                  <a:t>регионов:</a:t>
-                </a:r>
-                <a:endParaRPr lang="ru-RU" sz="2800" b="0" strike="noStrike" spc="-1" dirty="0" smtClean="0">
-                  <a:latin typeface="Arial"/>
-                </a:endParaRPr>
-              </a:p>
-              <a:p>
-                <a:pPr marL="457200" indent="-457200">
-                  <a:spcBef>
-                    <a:spcPts val="1001"/>
-                  </a:spcBef>
-                  <a:buClr>
-                    <a:srgbClr val="000000"/>
-                  </a:buClr>
-                  <a:buFont typeface="Wingdings" panose="05000000000000000000" pitchFamily="2" charset="2"/>
-                  <a:buChar char="ü"/>
-                </a:pPr>
-                <a:r>
-                  <a:rPr lang="ru-RU" sz="2800" b="0" strike="noStrike" spc="-1" dirty="0" smtClean="0">
-                    <a:solidFill>
-                      <a:srgbClr val="000000"/>
-                    </a:solidFill>
-                    <a:latin typeface="Times New Roman"/>
-                  </a:rPr>
-                  <a:t>Весь мир</a:t>
-                </a:r>
-              </a:p>
-              <a:p>
-                <a:pPr marL="457200" indent="-457200">
-                  <a:spcBef>
-                    <a:spcPts val="1001"/>
-                  </a:spcBef>
-                  <a:buClr>
-                    <a:srgbClr val="000000"/>
-                  </a:buClr>
-                  <a:buFont typeface="Wingdings" panose="05000000000000000000" pitchFamily="2" charset="2"/>
-                  <a:buChar char="ü"/>
-                </a:pPr>
-                <a:r>
-                  <a:rPr lang="ru-RU" sz="2800" b="0" strike="noStrike" spc="-1" dirty="0" smtClean="0">
-                    <a:solidFill>
-                      <a:srgbClr val="000000"/>
-                    </a:solidFill>
-                    <a:latin typeface="Times New Roman"/>
-                  </a:rPr>
-                  <a:t>Европа</a:t>
-                </a:r>
-              </a:p>
-              <a:p>
-                <a:pPr marL="457200" indent="-457200">
-                  <a:spcBef>
-                    <a:spcPts val="1001"/>
-                  </a:spcBef>
-                  <a:buClr>
-                    <a:srgbClr val="000000"/>
-                  </a:buClr>
-                  <a:buFont typeface="Wingdings" panose="05000000000000000000" pitchFamily="2" charset="2"/>
-                  <a:buChar char="ü"/>
-                </a:pPr>
-                <a:r>
-                  <a:rPr lang="ru-RU" sz="2800" b="0" strike="noStrike" spc="-1" dirty="0" smtClean="0">
-                    <a:solidFill>
-                      <a:srgbClr val="000000"/>
-                    </a:solidFill>
-                    <a:latin typeface="Times New Roman"/>
-                  </a:rPr>
-                  <a:t>Северная Америка</a:t>
-                </a:r>
-              </a:p>
-              <a:p>
-                <a:pPr marL="457200" indent="-457200">
-                  <a:spcBef>
-                    <a:spcPts val="1001"/>
-                  </a:spcBef>
-                  <a:buClr>
-                    <a:srgbClr val="000000"/>
-                  </a:buClr>
-                  <a:buFont typeface="Wingdings" panose="05000000000000000000" pitchFamily="2" charset="2"/>
-                  <a:buChar char="ü"/>
-                </a:pPr>
-                <a:r>
-                  <a:rPr lang="ru-RU" sz="2800" b="0" strike="noStrike" spc="-1" dirty="0" smtClean="0">
-                    <a:solidFill>
-                      <a:srgbClr val="000000"/>
-                    </a:solidFill>
-                    <a:latin typeface="Times New Roman"/>
-                  </a:rPr>
-                  <a:t>Южная и Центральная Америка</a:t>
-                </a:r>
-              </a:p>
-              <a:p>
-                <a:pPr marL="457200" indent="-457200">
-                  <a:spcBef>
-                    <a:spcPts val="1001"/>
-                  </a:spcBef>
-                  <a:buClr>
-                    <a:srgbClr val="000000"/>
-                  </a:buClr>
-                  <a:buFont typeface="Wingdings" panose="05000000000000000000" pitchFamily="2" charset="2"/>
-                  <a:buChar char="ü"/>
-                </a:pPr>
-                <a:r>
-                  <a:rPr lang="ru-RU" sz="2800" b="0" strike="noStrike" spc="-1" dirty="0" smtClean="0">
-                    <a:solidFill>
-                      <a:srgbClr val="000000"/>
-                    </a:solidFill>
-                    <a:latin typeface="Times New Roman"/>
-                  </a:rPr>
-                  <a:t>Азиатско-Тихоокеанский регион</a:t>
-                </a:r>
-              </a:p>
-              <a:p>
-                <a:pPr>
-                  <a:spcBef>
-                    <a:spcPts val="1001"/>
-                  </a:spcBef>
-                  <a:buClr>
-                    <a:srgbClr val="000000"/>
-                  </a:buClr>
-                </a:pPr>
-                <a:r>
-                  <a:rPr lang="ru-RU" sz="2800" spc="-1" dirty="0" smtClean="0">
-                    <a:solidFill>
-                      <a:srgbClr val="000000"/>
-                    </a:solidFill>
-                    <a:latin typeface="Times New Roman"/>
-                  </a:rPr>
-                  <a:t>В качестве модели будем использовать уравнение:</a:t>
-                </a:r>
-              </a:p>
-              <a:p>
-                <a:pPr>
-                  <a:spcBef>
-                    <a:spcPts val="1001"/>
-                  </a:spcBef>
-                  <a:buClr>
-                    <a:srgbClr val="000000"/>
-                  </a:buClr>
-                </a:pPr>
-                <a14:m>
-                  <m:oMathPara xmlns:m="http://schemas.openxmlformats.org/officeDocument/2006/math">
-                    <m:oMathParaPr>
-                      <m:jc m:val="centerGroup"/>
-                    </m:oMathParaPr>
-                    <m:oMath xmlns:m="http://schemas.openxmlformats.org/officeDocument/2006/math">
-                      <m:r>
-                        <a:rPr lang="en-US" sz="2800" i="1">
-                          <a:latin typeface="Cambria Math" panose="02040503050406030204" pitchFamily="18" charset="0"/>
-                        </a:rPr>
-                        <m:t>𝐸</m:t>
-                      </m:r>
-                      <m:d>
-                        <m:dPr>
-                          <m:ctrlPr>
-                            <a:rPr lang="ru-RU" sz="2800" i="1">
-                              <a:latin typeface="Cambria Math" panose="02040503050406030204" pitchFamily="18" charset="0"/>
-                            </a:rPr>
-                          </m:ctrlPr>
-                        </m:dPr>
-                        <m:e>
-                          <m:r>
-                            <a:rPr lang="en-US" sz="2800" i="1">
-                              <a:latin typeface="Cambria Math" panose="02040503050406030204" pitchFamily="18" charset="0"/>
-                            </a:rPr>
-                            <m:t>𝑡</m:t>
-                          </m:r>
-                        </m:e>
-                      </m:d>
-                      <m:r>
-                        <a:rPr lang="en-US" sz="2800" i="1">
-                          <a:latin typeface="Cambria Math" panose="02040503050406030204" pitchFamily="18" charset="0"/>
-                        </a:rPr>
-                        <m:t>=</m:t>
-                      </m:r>
-                      <m:r>
-                        <a:rPr lang="en-US" sz="2800" i="1">
-                          <a:latin typeface="Cambria Math" panose="02040503050406030204" pitchFamily="18" charset="0"/>
-                        </a:rPr>
-                        <m:t>𝑎</m:t>
-                      </m:r>
-                      <m:r>
-                        <a:rPr lang="en-US" sz="2800" i="1">
-                          <a:latin typeface="Cambria Math" panose="02040503050406030204" pitchFamily="18" charset="0"/>
-                        </a:rPr>
-                        <m:t>∗</m:t>
-                      </m:r>
-                      <m:r>
-                        <a:rPr lang="en-US" sz="2800" i="1">
-                          <a:latin typeface="Cambria Math" panose="02040503050406030204" pitchFamily="18" charset="0"/>
-                        </a:rPr>
-                        <m:t>𝑡</m:t>
-                      </m:r>
-                      <m:r>
-                        <a:rPr lang="en-US" sz="2800" i="1">
-                          <a:latin typeface="Cambria Math" panose="02040503050406030204" pitchFamily="18" charset="0"/>
-                        </a:rPr>
-                        <m:t>+</m:t>
-                      </m:r>
-                      <m:r>
-                        <a:rPr lang="en-US" sz="2800" i="1">
-                          <a:latin typeface="Cambria Math" panose="02040503050406030204" pitchFamily="18" charset="0"/>
-                        </a:rPr>
-                        <m:t>𝑏</m:t>
-                      </m:r>
-                    </m:oMath>
-                  </m:oMathPara>
-                </a14:m>
-                <a:endParaRPr lang="ru-RU" sz="2800" b="0" strike="noStrike" spc="-1" dirty="0" smtClean="0">
-                  <a:solidFill>
-                    <a:srgbClr val="000000"/>
-                  </a:solidFill>
-                  <a:latin typeface="Calibri"/>
-                </a:endParaRPr>
-              </a:p>
-              <a:p>
-                <a:pPr>
-                  <a:spcBef>
-                    <a:spcPts val="1001"/>
-                  </a:spcBef>
-                  <a:buClr>
-                    <a:srgbClr val="000000"/>
-                  </a:buClr>
-                </a:pPr>
-                <a:r>
-                  <a:rPr lang="en-US" sz="1800" b="0" strike="noStrike" spc="-1" dirty="0" smtClean="0">
-                    <a:solidFill>
-                      <a:srgbClr val="000000"/>
-                    </a:solidFill>
-                    <a:latin typeface="Times New Roman" panose="02020603050405020304" pitchFamily="18" charset="0"/>
-                    <a:cs typeface="Times New Roman" panose="02020603050405020304" pitchFamily="18" charset="0"/>
-                  </a:rPr>
-                  <a:t>E – </a:t>
-                </a:r>
-                <a:r>
-                  <a:rPr lang="ru-RU" sz="1800" b="0" strike="noStrike" spc="-1" dirty="0" smtClean="0">
-                    <a:solidFill>
-                      <a:srgbClr val="000000"/>
-                    </a:solidFill>
-                    <a:latin typeface="Times New Roman" panose="02020603050405020304" pitchFamily="18" charset="0"/>
-                    <a:cs typeface="Times New Roman" panose="02020603050405020304" pitchFamily="18" charset="0"/>
-                  </a:rPr>
-                  <a:t>общая генерация</a:t>
-                </a:r>
-                <a:r>
-                  <a:rPr lang="en-US" sz="1800" b="0" strike="noStrike" spc="-1" dirty="0" smtClean="0">
-                    <a:solidFill>
-                      <a:srgbClr val="000000"/>
-                    </a:solidFill>
-                    <a:latin typeface="Times New Roman" panose="02020603050405020304" pitchFamily="18" charset="0"/>
-                    <a:cs typeface="Times New Roman" panose="02020603050405020304" pitchFamily="18" charset="0"/>
-                  </a:rPr>
-                  <a:t>; t – </a:t>
-                </a:r>
-                <a:r>
-                  <a:rPr lang="ru-RU" sz="1800" b="0" strike="noStrike" spc="-1" dirty="0" smtClean="0">
-                    <a:solidFill>
-                      <a:srgbClr val="000000"/>
-                    </a:solidFill>
-                    <a:latin typeface="Times New Roman" panose="02020603050405020304" pitchFamily="18" charset="0"/>
-                    <a:cs typeface="Times New Roman" panose="02020603050405020304" pitchFamily="18" charset="0"/>
-                  </a:rPr>
-                  <a:t>время</a:t>
-                </a:r>
-                <a:r>
-                  <a:rPr lang="en-US" sz="1800" b="0" strike="noStrike" spc="-1" dirty="0" smtClean="0">
-                    <a:solidFill>
-                      <a:srgbClr val="000000"/>
-                    </a:solidFill>
-                    <a:latin typeface="Times New Roman" panose="02020603050405020304" pitchFamily="18" charset="0"/>
-                    <a:cs typeface="Times New Roman" panose="02020603050405020304" pitchFamily="18" charset="0"/>
-                  </a:rPr>
-                  <a:t>; </a:t>
-                </a:r>
-                <a:r>
-                  <a:rPr lang="en-US" sz="1800" b="0" strike="noStrike" spc="-1" dirty="0" err="1" smtClean="0">
-                    <a:solidFill>
-                      <a:srgbClr val="000000"/>
-                    </a:solidFill>
-                    <a:latin typeface="Times New Roman" panose="02020603050405020304" pitchFamily="18" charset="0"/>
-                    <a:cs typeface="Times New Roman" panose="02020603050405020304" pitchFamily="18" charset="0"/>
-                  </a:rPr>
-                  <a:t>a,b</a:t>
-                </a:r>
-                <a:r>
-                  <a:rPr lang="en-US" sz="1800" b="0" strike="noStrike" spc="-1" dirty="0" smtClean="0">
-                    <a:solidFill>
-                      <a:srgbClr val="000000"/>
-                    </a:solidFill>
-                    <a:latin typeface="Times New Roman" panose="02020603050405020304" pitchFamily="18" charset="0"/>
-                    <a:cs typeface="Times New Roman" panose="02020603050405020304" pitchFamily="18" charset="0"/>
-                  </a:rPr>
-                  <a:t> </a:t>
-                </a:r>
-                <a:r>
-                  <a:rPr lang="ru-RU" sz="1800" b="0" strike="noStrike" spc="-1" dirty="0" smtClean="0">
-                    <a:solidFill>
-                      <a:srgbClr val="000000"/>
-                    </a:solidFill>
-                    <a:latin typeface="Times New Roman" panose="02020603050405020304" pitchFamily="18" charset="0"/>
-                    <a:cs typeface="Times New Roman" panose="02020603050405020304" pitchFamily="18" charset="0"/>
-                  </a:rPr>
-                  <a:t>коэффициенты линейной регрессии</a:t>
-                </a:r>
-              </a:p>
-              <a:p>
-                <a:pPr marL="228600" indent="-228600">
-                  <a:lnSpc>
-                    <a:spcPct val="90000"/>
-                  </a:lnSpc>
-                  <a:spcBef>
-                    <a:spcPts val="1001"/>
-                  </a:spcBef>
-                  <a:buClr>
-                    <a:srgbClr val="000000"/>
-                  </a:buClr>
-                  <a:buFont typeface="Arial"/>
-                  <a:buChar char="•"/>
-                </a:pPr>
-                <a:endParaRPr lang="ru-RU" sz="2800" b="0" strike="noStrike" spc="-1" dirty="0">
-                  <a:latin typeface="Arial"/>
-                </a:endParaRPr>
-              </a:p>
-            </p:txBody>
-          </p:sp>
-        </mc:Choice>
-        <mc:Fallback xmlns="">
-          <p:sp>
-            <p:nvSpPr>
-              <p:cNvPr id="45" name="PlaceHolder 1"/>
-              <p:cNvSpPr>
-                <a:spLocks noGrp="1" noRot="1" noChangeAspect="1" noMove="1" noResize="1" noEditPoints="1" noAdjustHandles="1" noChangeArrowheads="1" noChangeShapeType="1" noTextEdit="1"/>
-              </p:cNvSpPr>
-              <p:nvPr>
-                <p:ph type="subTitle"/>
-              </p:nvPr>
-            </p:nvSpPr>
-            <p:spPr>
-              <a:xfrm>
-                <a:off x="534960" y="696959"/>
-                <a:ext cx="10514880" cy="5869304"/>
-              </a:xfrm>
-              <a:prstGeom prst="rect">
-                <a:avLst/>
-              </a:prstGeom>
-              <a:blipFill rotWithShape="0">
-                <a:blip r:embed="rId2"/>
-                <a:stretch>
-                  <a:fillRect l="-2087"/>
-                </a:stretch>
-              </a:blipFill>
-              <a:ln w="0">
-                <a:noFill/>
-              </a:ln>
-            </p:spPr>
-            <p:txBody>
-              <a:bodyPr/>
-              <a:lstStyle/>
-              <a:p>
-                <a:r>
-                  <a:rPr lang="ru-RU">
-                    <a:noFill/>
-                  </a:rPr>
-                  <a:t> </a:t>
-                </a:r>
-              </a:p>
-            </p:txBody>
-          </p:sp>
-        </mc:Fallback>
-      </mc:AlternateContent>
+      <p:sp>
+        <p:nvSpPr>
+          <p:cNvPr id="45" name="PlaceHolder 1"/>
+          <p:cNvSpPr>
+            <a:spLocks noGrp="1"/>
+          </p:cNvSpPr>
+          <p:nvPr>
+            <p:ph type="subTitle"/>
+          </p:nvPr>
+        </p:nvSpPr>
+        <p:spPr>
+          <a:xfrm>
+            <a:off x="613338" y="601164"/>
+            <a:ext cx="10514880" cy="5869304"/>
+          </a:xfrm>
+          <a:prstGeom prst="rect">
+            <a:avLst/>
+          </a:prstGeom>
+          <a:noFill/>
+          <a:ln w="0">
+            <a:noFill/>
+          </a:ln>
+        </p:spPr>
+        <p:txBody>
+          <a:bodyPr lIns="0" tIns="0" rIns="0" bIns="0" anchor="t" anchorCtr="0">
+            <a:noAutofit/>
+          </a:bodyPr>
+          <a:lstStyle/>
+          <a:p>
+            <a:pPr marL="228600" indent="-228600">
+              <a:spcBef>
+                <a:spcPts val="1001"/>
+              </a:spcBef>
+              <a:buClr>
+                <a:srgbClr val="000000"/>
+              </a:buClr>
+              <a:buFont typeface="Arial"/>
+              <a:buChar char="•"/>
+            </a:pPr>
+            <a:r>
+              <a:rPr lang="ru-RU" sz="2800" b="1" dirty="0">
+                <a:latin typeface="Times New Roman" panose="02020603050405020304" pitchFamily="18" charset="0"/>
+                <a:cs typeface="Times New Roman" panose="02020603050405020304" pitchFamily="18" charset="0"/>
+              </a:rPr>
+              <a:t>Анализ производства </a:t>
+            </a:r>
+            <a:r>
+              <a:rPr lang="ru-RU" sz="2800" b="1" dirty="0" smtClean="0">
+                <a:latin typeface="Times New Roman" panose="02020603050405020304" pitchFamily="18" charset="0"/>
+                <a:cs typeface="Times New Roman" panose="02020603050405020304" pitchFamily="18" charset="0"/>
+              </a:rPr>
+              <a:t>электроэнергии</a:t>
+            </a:r>
+          </a:p>
+          <a:p>
+            <a:pPr marL="228600" indent="-228600">
+              <a:spcBef>
+                <a:spcPts val="1001"/>
+              </a:spcBef>
+              <a:buClr>
+                <a:srgbClr val="000000"/>
+              </a:buClr>
+              <a:buFont typeface="Arial"/>
+              <a:buChar char="•"/>
+            </a:pPr>
+            <a:r>
+              <a:rPr lang="ru-RU" sz="2800" i="1" dirty="0">
+                <a:latin typeface="Times New Roman" panose="02020603050405020304" pitchFamily="18" charset="0"/>
+                <a:cs typeface="Times New Roman" panose="02020603050405020304" pitchFamily="18" charset="0"/>
+              </a:rPr>
+              <a:t>Линейный рост производства электроэнергии: Оценка регрессии на мировых </a:t>
+            </a:r>
+            <a:r>
+              <a:rPr lang="ru-RU" sz="2800" i="1" dirty="0" smtClean="0">
+                <a:latin typeface="Times New Roman" panose="02020603050405020304" pitchFamily="18" charset="0"/>
+                <a:cs typeface="Times New Roman" panose="02020603050405020304" pitchFamily="18" charset="0"/>
+              </a:rPr>
+              <a:t>данных </a:t>
+            </a:r>
+            <a:r>
+              <a:rPr lang="ru-RU" sz="2800" i="1" dirty="0">
+                <a:latin typeface="Times New Roman" panose="02020603050405020304" pitchFamily="18" charset="0"/>
+                <a:cs typeface="Times New Roman" panose="02020603050405020304" pitchFamily="18" charset="0"/>
+              </a:rPr>
+              <a:t>в пяти регионах мира: Весь мир, Европа, Северная Америка, Южная и Центральная Америка, Азиатско-Тихоокеанский регион</a:t>
+            </a:r>
+            <a:endParaRPr lang="ru-RU" sz="2800" i="1" dirty="0" smtClean="0">
+              <a:latin typeface="Times New Roman" panose="02020603050405020304" pitchFamily="18" charset="0"/>
+              <a:cs typeface="Times New Roman" panose="02020603050405020304" pitchFamily="18" charset="0"/>
+            </a:endParaRPr>
+          </a:p>
+          <a:p>
+            <a:endParaRPr lang="ru-RU" sz="2800" i="1" dirty="0" smtClean="0"/>
+          </a:p>
+          <a:p>
+            <a:r>
+              <a:rPr lang="ru-RU" sz="2800" i="1" dirty="0" smtClean="0">
+                <a:latin typeface="Times New Roman" panose="02020603050405020304" pitchFamily="18" charset="0"/>
+                <a:cs typeface="Times New Roman" panose="02020603050405020304" pitchFamily="18" charset="0"/>
+              </a:rPr>
+              <a:t>Модель </a:t>
+            </a:r>
+            <a:r>
+              <a:rPr lang="ru-RU" sz="2800" i="1" dirty="0">
+                <a:latin typeface="Times New Roman" panose="02020603050405020304" pitchFamily="18" charset="0"/>
+                <a:cs typeface="Times New Roman" panose="02020603050405020304" pitchFamily="18" charset="0"/>
+              </a:rPr>
+              <a:t>регрессии:</a:t>
+            </a:r>
+            <a:r>
+              <a:rPr lang="ru-RU" sz="2800" dirty="0">
+                <a:latin typeface="Times New Roman" panose="02020603050405020304" pitchFamily="18" charset="0"/>
+                <a:cs typeface="Times New Roman" panose="02020603050405020304" pitchFamily="18" charset="0"/>
+              </a:rPr>
+              <a:t> </a:t>
+            </a:r>
+            <a:endParaRPr lang="ru-RU" sz="2800" dirty="0" smtClean="0">
+              <a:latin typeface="Times New Roman" panose="02020603050405020304" pitchFamily="18" charset="0"/>
+              <a:cs typeface="Times New Roman" panose="02020603050405020304" pitchFamily="18" charset="0"/>
+            </a:endParaRPr>
+          </a:p>
+          <a:p>
+            <a:r>
+              <a:rPr lang="ru-RU" sz="2800" i="1" dirty="0" smtClean="0">
+                <a:latin typeface="Times New Roman" panose="02020603050405020304" pitchFamily="18" charset="0"/>
+                <a:cs typeface="Times New Roman" panose="02020603050405020304" pitchFamily="18" charset="0"/>
+              </a:rPr>
+              <a:t> 	</a:t>
+            </a:r>
+            <a:r>
+              <a:rPr lang="ru-RU" sz="2800" b="1" i="1" dirty="0" smtClean="0">
+                <a:latin typeface="Times New Roman" panose="02020603050405020304" pitchFamily="18" charset="0"/>
+                <a:cs typeface="Times New Roman" panose="02020603050405020304" pitchFamily="18" charset="0"/>
+              </a:rPr>
+              <a:t>E</a:t>
+            </a:r>
+            <a:r>
+              <a:rPr lang="ru-RU" sz="2800" b="1" dirty="0" smtClean="0">
+                <a:latin typeface="Times New Roman" panose="02020603050405020304" pitchFamily="18" charset="0"/>
+                <a:cs typeface="Times New Roman" panose="02020603050405020304" pitchFamily="18" charset="0"/>
+              </a:rPr>
+              <a:t>(</a:t>
+            </a:r>
+            <a:r>
+              <a:rPr lang="ru-RU" sz="2800" b="1" i="1" dirty="0" smtClean="0">
+                <a:latin typeface="Times New Roman" panose="02020603050405020304" pitchFamily="18" charset="0"/>
+                <a:cs typeface="Times New Roman" panose="02020603050405020304" pitchFamily="18" charset="0"/>
+              </a:rPr>
+              <a:t>t</a:t>
+            </a:r>
+            <a:r>
+              <a:rPr lang="ru-RU" sz="2800" b="1" dirty="0">
+                <a:latin typeface="Times New Roman" panose="02020603050405020304" pitchFamily="18" charset="0"/>
+                <a:cs typeface="Times New Roman" panose="02020603050405020304" pitchFamily="18" charset="0"/>
+              </a:rPr>
+              <a:t>)=</a:t>
+            </a:r>
+            <a:r>
+              <a:rPr lang="ru-RU" sz="2800" b="1" i="1" dirty="0" err="1">
+                <a:latin typeface="Times New Roman" panose="02020603050405020304" pitchFamily="18" charset="0"/>
+                <a:cs typeface="Times New Roman" panose="02020603050405020304" pitchFamily="18" charset="0"/>
+              </a:rPr>
+              <a:t>a</a:t>
+            </a:r>
+            <a:r>
+              <a:rPr lang="ru-RU" sz="2800" b="1" dirty="0" err="1">
+                <a:latin typeface="Times New Roman" panose="02020603050405020304" pitchFamily="18" charset="0"/>
+                <a:cs typeface="Times New Roman" panose="02020603050405020304" pitchFamily="18" charset="0"/>
+              </a:rPr>
+              <a:t>⋅</a:t>
+            </a:r>
+            <a:r>
+              <a:rPr lang="ru-RU" sz="2800" b="1" i="1" dirty="0" err="1">
+                <a:latin typeface="Times New Roman" panose="02020603050405020304" pitchFamily="18" charset="0"/>
+                <a:cs typeface="Times New Roman" panose="02020603050405020304" pitchFamily="18" charset="0"/>
+              </a:rPr>
+              <a:t>t</a:t>
+            </a:r>
+            <a:r>
+              <a:rPr lang="ru-RU" sz="2800" b="1" dirty="0" err="1">
+                <a:latin typeface="Times New Roman" panose="02020603050405020304" pitchFamily="18" charset="0"/>
+                <a:cs typeface="Times New Roman" panose="02020603050405020304" pitchFamily="18" charset="0"/>
+              </a:rPr>
+              <a:t>+</a:t>
+            </a:r>
+            <a:r>
+              <a:rPr lang="ru-RU" sz="2800" b="1" i="1" dirty="0" err="1">
+                <a:latin typeface="Times New Roman" panose="02020603050405020304" pitchFamily="18" charset="0"/>
+                <a:cs typeface="Times New Roman" panose="02020603050405020304" pitchFamily="18" charset="0"/>
+              </a:rPr>
+              <a:t>b</a:t>
+            </a:r>
+            <a:endParaRPr lang="ru-RU" sz="2800" b="1" dirty="0">
+              <a:latin typeface="Times New Roman" panose="02020603050405020304" pitchFamily="18" charset="0"/>
+              <a:cs typeface="Times New Roman" panose="02020603050405020304" pitchFamily="18" charset="0"/>
+            </a:endParaRPr>
+          </a:p>
+          <a:p>
+            <a:r>
+              <a:rPr lang="ru-RU" sz="2800" dirty="0">
+                <a:latin typeface="Times New Roman" panose="02020603050405020304" pitchFamily="18" charset="0"/>
+                <a:cs typeface="Times New Roman" panose="02020603050405020304" pitchFamily="18" charset="0"/>
+              </a:rPr>
+              <a:t>Где:</a:t>
+            </a:r>
+          </a:p>
+          <a:p>
+            <a:r>
+              <a:rPr lang="ru-RU" sz="2800" i="1" dirty="0" smtClean="0">
+                <a:latin typeface="Times New Roman" panose="02020603050405020304" pitchFamily="18" charset="0"/>
+                <a:cs typeface="Times New Roman" panose="02020603050405020304" pitchFamily="18" charset="0"/>
+              </a:rPr>
+              <a:t>E</a:t>
+            </a:r>
+            <a:r>
+              <a:rPr lang="ru-RU" sz="2800" dirty="0" smtClean="0">
+                <a:latin typeface="Times New Roman" panose="02020603050405020304" pitchFamily="18" charset="0"/>
+                <a:cs typeface="Times New Roman" panose="02020603050405020304" pitchFamily="18" charset="0"/>
+              </a:rPr>
+              <a:t> </a:t>
+            </a:r>
+            <a:r>
+              <a:rPr lang="ru-RU" sz="2800" dirty="0">
+                <a:latin typeface="Times New Roman" panose="02020603050405020304" pitchFamily="18" charset="0"/>
+                <a:cs typeface="Times New Roman" panose="02020603050405020304" pitchFamily="18" charset="0"/>
+              </a:rPr>
+              <a:t>- общая генерация электроэнергии,</a:t>
+            </a:r>
+          </a:p>
+          <a:p>
+            <a:r>
+              <a:rPr lang="ru-RU" sz="2800" i="1" dirty="0" smtClean="0">
+                <a:latin typeface="Times New Roman" panose="02020603050405020304" pitchFamily="18" charset="0"/>
+                <a:cs typeface="Times New Roman" panose="02020603050405020304" pitchFamily="18" charset="0"/>
+              </a:rPr>
+              <a:t>t</a:t>
+            </a:r>
+            <a:r>
+              <a:rPr lang="ru-RU" sz="2800" dirty="0" smtClean="0">
+                <a:latin typeface="Times New Roman" panose="02020603050405020304" pitchFamily="18" charset="0"/>
+                <a:cs typeface="Times New Roman" panose="02020603050405020304" pitchFamily="18" charset="0"/>
+              </a:rPr>
+              <a:t> </a:t>
+            </a:r>
+            <a:r>
+              <a:rPr lang="ru-RU" sz="2800" dirty="0">
+                <a:latin typeface="Times New Roman" panose="02020603050405020304" pitchFamily="18" charset="0"/>
+                <a:cs typeface="Times New Roman" panose="02020603050405020304" pitchFamily="18" charset="0"/>
+              </a:rPr>
+              <a:t>- время,</a:t>
+            </a:r>
+          </a:p>
+          <a:p>
+            <a:r>
+              <a:rPr lang="ru-RU" sz="2800" i="1" dirty="0" smtClean="0">
+                <a:latin typeface="Times New Roman" panose="02020603050405020304" pitchFamily="18" charset="0"/>
+                <a:cs typeface="Times New Roman" panose="02020603050405020304" pitchFamily="18" charset="0"/>
+              </a:rPr>
+              <a:t>a</a:t>
+            </a:r>
+            <a:r>
+              <a:rPr lang="ru-RU" sz="2800" dirty="0" smtClean="0">
+                <a:latin typeface="Times New Roman" panose="02020603050405020304" pitchFamily="18" charset="0"/>
+                <a:cs typeface="Times New Roman" panose="02020603050405020304" pitchFamily="18" charset="0"/>
+              </a:rPr>
+              <a:t> </a:t>
+            </a:r>
+            <a:r>
+              <a:rPr lang="ru-RU" sz="2800" dirty="0">
+                <a:latin typeface="Times New Roman" panose="02020603050405020304" pitchFamily="18" charset="0"/>
+                <a:cs typeface="Times New Roman" panose="02020603050405020304" pitchFamily="18" charset="0"/>
+              </a:rPr>
+              <a:t>и </a:t>
+            </a:r>
+            <a:r>
+              <a:rPr lang="ru-RU" sz="2800" i="1" dirty="0" smtClean="0">
+                <a:latin typeface="Times New Roman" panose="02020603050405020304" pitchFamily="18" charset="0"/>
+                <a:cs typeface="Times New Roman" panose="02020603050405020304" pitchFamily="18" charset="0"/>
+              </a:rPr>
+              <a:t>b</a:t>
+            </a:r>
+            <a:r>
+              <a:rPr lang="ru-RU" sz="2800" dirty="0" smtClean="0">
+                <a:latin typeface="Times New Roman" panose="02020603050405020304" pitchFamily="18" charset="0"/>
+                <a:cs typeface="Times New Roman" panose="02020603050405020304" pitchFamily="18" charset="0"/>
+              </a:rPr>
+              <a:t> </a:t>
+            </a:r>
+            <a:r>
+              <a:rPr lang="ru-RU" sz="2800" dirty="0">
+                <a:latin typeface="Times New Roman" panose="02020603050405020304" pitchFamily="18" charset="0"/>
+                <a:cs typeface="Times New Roman" panose="02020603050405020304" pitchFamily="18" charset="0"/>
+              </a:rPr>
+              <a:t>- коэффициенты линейной регрессии.</a:t>
+            </a:r>
+          </a:p>
+          <a:p>
+            <a:pPr marL="228600" indent="-228600">
+              <a:lnSpc>
+                <a:spcPct val="90000"/>
+              </a:lnSpc>
+              <a:spcBef>
+                <a:spcPts val="1001"/>
+              </a:spcBef>
+              <a:buClr>
+                <a:srgbClr val="000000"/>
+              </a:buClr>
+              <a:buFont typeface="Arial"/>
+              <a:buChar char="•"/>
+            </a:pPr>
+            <a:endParaRPr lang="ru-RU" sz="2800" b="0" strike="noStrike" spc="-1" dirty="0">
+              <a:latin typeface="Arial"/>
+            </a:endParaRPr>
+          </a:p>
+        </p:txBody>
+      </p:sp>
     </p:spTree>
     <p:extLst>
       <p:ext uri="{BB962C8B-B14F-4D97-AF65-F5344CB8AC3E}">
@@ -11276,7 +11367,7 @@
     <mc:Choice Requires="p14">
       <p:transition spd="slow" p14:dur="2000"/>
     </mc:Choice>
-    <mc:Fallback xmlns="" xmlns:p15="http://schemas.microsoft.com/office/powerpoint/2012/main">
+    <mc:Fallback xmlns:p15="http://schemas.microsoft.com/office/powerpoint/2012/main" xmlns="">
       <p:transition spd="slow"/>
     </mc:Fallback>
   </mc:AlternateContent>
@@ -11467,7 +11558,7 @@
     <mc:Choice Requires="p14">
       <p:transition spd="slow" p14:dur="2000"/>
     </mc:Choice>
-    <mc:Fallback xmlns="" xmlns:p15="http://schemas.microsoft.com/office/powerpoint/2012/main">
+    <mc:Fallback xmlns:p15="http://schemas.microsoft.com/office/powerpoint/2012/main" xmlns="">
       <p:transition spd="slow"/>
     </mc:Fallback>
   </mc:AlternateContent>
@@ -11542,14 +11633,7 @@
                 <a:latin typeface="Times New Roman" panose="02020603050405020304" pitchFamily="18" charset="0"/>
                 <a:cs typeface="Times New Roman" panose="02020603050405020304" pitchFamily="18" charset="0"/>
               </a:rPr>
-              <a:t>Генерация электроэнергии по </a:t>
-            </a:r>
-            <a:r>
-              <a:rPr lang="ru-RU" sz="2800" dirty="0" smtClean="0">
-                <a:latin typeface="Times New Roman" panose="02020603050405020304" pitchFamily="18" charset="0"/>
-                <a:cs typeface="Times New Roman" panose="02020603050405020304" pitchFamily="18" charset="0"/>
-              </a:rPr>
-              <a:t>Европе </a:t>
+              <a:t>Генерация электроэнергии по Европе </a:t>
             </a:r>
             <a:r>
               <a:rPr lang="en-US" sz="2800" baseline="0" dirty="0" smtClean="0">
@@ -11665,7 +11749,7 @@
     <mc:Choice Requires="p14">
       <p:transition spd="slow" p14:dur="2000"/>
     </mc:Choice>
-    <mc:Fallback xmlns="" xmlns:p15="http://schemas.microsoft.com/office/powerpoint/2012/main">
+    <mc:Fallback xmlns:p15="http://schemas.microsoft.com/office/powerpoint/2012/main" xmlns="">
       <p:transition spd="slow"/>
     </mc:Fallback>
   </mc:AlternateContent>
@@ -11856,7 +11940,7 @@
     <mc:Choice Requires="p14">
       <p:transition spd="slow" p14:dur="2000"/>
     </mc:Choice>
-    <mc:Fallback xmlns="" xmlns:p15="http://schemas.microsoft.com/office/powerpoint/2012/main">
+    <mc:Fallback xmlns:p15="http://schemas.microsoft.com/office/powerpoint/2012/main" xmlns="">
       <p:transition spd="slow"/>
     </mc:Fallback>
   </mc:AlternateContent>
@@ -11931,21 +12015,7 @@
                 <a:latin typeface="Times New Roman" panose="02020603050405020304" pitchFamily="18" charset="0"/>
                 <a:cs typeface="Times New Roman" panose="02020603050405020304" pitchFamily="18" charset="0"/>
               </a:rPr>
-              <a:t>Генерация электроэнергии по Южной и </a:t>
-            </a:r>
-            <a:r>
-              <a:rPr lang="ru-RU" sz="2800" dirty="0" smtClean="0">
-                <a:latin typeface="Times New Roman" panose="02020603050405020304" pitchFamily="18" charset="0"/>
-                <a:cs typeface="Times New Roman" panose="02020603050405020304" pitchFamily="18" charset="0"/>
-              </a:rPr>
-              <a:t>Центральной </a:t>
-            </a:r>
-            <a:r>
-              <a:rPr lang="ru-RU" sz="2800" dirty="0" smtClean="0">
-                <a:latin typeface="Times New Roman" panose="02020603050405020304" pitchFamily="18" charset="0"/>
-                <a:cs typeface="Times New Roman" panose="02020603050405020304" pitchFamily="18" charset="0"/>
-              </a:rPr>
-              <a:t>Америке </a:t>
+              <a:t>Генерация электроэнергии по Южной и Центральной Америке </a:t>
             </a:r>
             <a:r>
               <a:rPr lang="en-US" sz="2800" baseline="0" dirty="0" smtClean="0">
@@ -12061,7 +12131,7 @@
     <mc:Choice Requires="p14">
       <p:transition spd="slow" p14:dur="2000"/>
     </mc:Choice>
-    <mc:Fallback xmlns="" xmlns:p15="http://schemas.microsoft.com/office/powerpoint/2012/main">
+    <mc:Fallback xmlns:p15="http://schemas.microsoft.com/office/powerpoint/2012/main" xmlns="">
       <p:transition spd="slow"/>
     </mc:Fallback>
   </mc:AlternateContent>
@@ -12262,7 +12332,7 @@
     <mc:Choice Requires="p14">
       <p:transition spd="slow" p14:dur="2000"/>
     </mc:Choice>
-    <mc:Fallback xmlns="" xmlns:p15="http://schemas.microsoft.com/office/powerpoint/2012/main">
+    <mc:Fallback xmlns:p15="http://schemas.microsoft.com/office/powerpoint/2012/main" xmlns="">
       <p:transition spd="slow"/>
     </mc:Fallback>
   </mc:AlternateContent>
@@ -12305,7 +12375,7 @@
         </p:nvSpPr>
         <p:spPr>
           <a:xfrm>
-            <a:off x="670559" y="1097280"/>
+            <a:off x="644433" y="653143"/>
             <a:ext cx="10319657" cy="4467496"/>
           </a:xfrm>
           <a:prstGeom prst="rect">
@@ -12330,48 +12400,10 @@
                 <a:srgbClr val="000000"/>
               </a:buClr>
             </a:pPr>
-            <a:r>
-              <a:rPr lang="ru-RU" sz="2800" dirty="0">
-                <a:latin typeface="Times New Roman" panose="02020603050405020304" pitchFamily="18" charset="0"/>
-                <a:cs typeface="Times New Roman" panose="02020603050405020304" pitchFamily="18" charset="0"/>
-              </a:rPr>
-              <a:t>Ветроэнергетика часто признается экологической </a:t>
-            </a:r>
-            <a:r>
-              <a:rPr lang="ru-RU" sz="2800" dirty="0" smtClean="0">
-                <a:latin typeface="Times New Roman" panose="02020603050405020304" pitchFamily="18" charset="0"/>
-                <a:cs typeface="Times New Roman" panose="02020603050405020304" pitchFamily="18" charset="0"/>
-              </a:rPr>
-              <a:t>инновацией, </a:t>
-            </a:r>
-            <a:r>
-              <a:rPr lang="ru-RU" sz="2800" dirty="0">
-                <a:latin typeface="Times New Roman" panose="02020603050405020304" pitchFamily="18" charset="0"/>
-                <a:cs typeface="Times New Roman" panose="02020603050405020304" pitchFamily="18" charset="0"/>
-              </a:rPr>
-              <a:t>а значит </a:t>
-            </a:r>
-            <a:r>
-              <a:rPr lang="ru-RU" sz="2800" dirty="0" smtClean="0">
-                <a:latin typeface="Times New Roman" panose="02020603050405020304" pitchFamily="18" charset="0"/>
-                <a:cs typeface="Times New Roman" panose="02020603050405020304" pitchFamily="18" charset="0"/>
-              </a:rPr>
-              <a:t>можно применить </a:t>
-            </a:r>
-            <a:r>
-              <a:rPr lang="ru-RU" sz="2800" dirty="0">
-                <a:latin typeface="Times New Roman" panose="02020603050405020304" pitchFamily="18" charset="0"/>
-                <a:cs typeface="Times New Roman" panose="02020603050405020304" pitchFamily="18" charset="0"/>
-              </a:rPr>
-              <a:t>модели диффузии инноваций для прогнозирования </a:t>
-            </a:r>
-            <a:r>
-              <a:rPr lang="ru-RU" sz="2800" dirty="0" smtClean="0">
-                <a:latin typeface="Times New Roman" panose="02020603050405020304" pitchFamily="18" charset="0"/>
-                <a:cs typeface="Times New Roman" panose="02020603050405020304" pitchFamily="18" charset="0"/>
-              </a:rPr>
-              <a:t>ветроэнергетики.</a:t>
-            </a:r>
+            <a:endParaRPr lang="ru-RU" sz="2800" dirty="0" smtClean="0">
+              <a:latin typeface="Times New Roman" panose="02020603050405020304" pitchFamily="18" charset="0"/>
+              <a:cs typeface="Times New Roman" panose="02020603050405020304" pitchFamily="18" charset="0"/>
+            </a:endParaRPr>
           </a:p>
           <a:p>
             <a:pPr>
@@ -12382,19 +12414,68 @@
                 <a:srgbClr val="000000"/>
               </a:buClr>
             </a:pPr>
-            <a:r>
-              <a:rPr lang="ru-RU" sz="2800" baseline="0" dirty="0" smtClean="0">
-                <a:latin typeface="Times New Roman" panose="02020603050405020304" pitchFamily="18" charset="0"/>
-                <a:cs typeface="Times New Roman" panose="02020603050405020304" pitchFamily="18" charset="0"/>
-              </a:rPr>
-              <a:t>В качестве основного уравнения будем использовать модель Басса </a:t>
-            </a:r>
+            <a:endParaRPr lang="ru-RU" sz="2800" dirty="0" smtClean="0">
+              <a:latin typeface="Times New Roman" panose="02020603050405020304" pitchFamily="18" charset="0"/>
+              <a:cs typeface="Times New Roman" panose="02020603050405020304" pitchFamily="18" charset="0"/>
+            </a:endParaRPr>
+          </a:p>
+          <a:p>
+            <a:pPr>
+              <a:spcBef>
+                <a:spcPts val="1001"/>
+              </a:spcBef>
+              <a:buClr>
+                <a:srgbClr val="000000"/>
+              </a:buClr>
+            </a:pPr>
             <a:r>
               <a:rPr lang="ru-RU" sz="2800" dirty="0" smtClean="0">
                 <a:latin typeface="Times New Roman" panose="02020603050405020304" pitchFamily="18" charset="0"/>
                 <a:cs typeface="Times New Roman" panose="02020603050405020304" pitchFamily="18" charset="0"/>
               </a:rPr>
-              <a:t>в трёх её исполнениях:</a:t>
+              <a:t>Ветроэнергетика признается </a:t>
+            </a:r>
+            <a:r>
+              <a:rPr lang="ru-RU" sz="2800" dirty="0">
+                <a:latin typeface="Times New Roman" panose="02020603050405020304" pitchFamily="18" charset="0"/>
+                <a:cs typeface="Times New Roman" panose="02020603050405020304" pitchFamily="18" charset="0"/>
+              </a:rPr>
+              <a:t>экологической </a:t>
+            </a:r>
+            <a:r>
+              <a:rPr lang="ru-RU" sz="2800" dirty="0" smtClean="0">
+                <a:latin typeface="Times New Roman" panose="02020603050405020304" pitchFamily="18" charset="0"/>
+                <a:cs typeface="Times New Roman" panose="02020603050405020304" pitchFamily="18" charset="0"/>
+              </a:rPr>
+              <a:t>инновацией, </a:t>
+            </a:r>
+            <a:r>
+              <a:rPr lang="ru-RU" sz="2800" dirty="0">
+                <a:latin typeface="Times New Roman" panose="02020603050405020304" pitchFamily="18" charset="0"/>
+                <a:cs typeface="Times New Roman" panose="02020603050405020304" pitchFamily="18" charset="0"/>
+              </a:rPr>
+              <a:t>а значит </a:t>
+            </a:r>
+            <a:r>
+              <a:rPr lang="ru-RU" sz="2800" dirty="0" smtClean="0">
+                <a:latin typeface="Times New Roman" panose="02020603050405020304" pitchFamily="18" charset="0"/>
+                <a:cs typeface="Times New Roman" panose="02020603050405020304" pitchFamily="18" charset="0"/>
+              </a:rPr>
+              <a:t>можно применить </a:t>
+            </a:r>
+            <a:r>
+              <a:rPr lang="ru-RU" sz="2800" dirty="0">
+                <a:latin typeface="Times New Roman" panose="02020603050405020304" pitchFamily="18" charset="0"/>
+                <a:cs typeface="Times New Roman" panose="02020603050405020304" pitchFamily="18" charset="0"/>
+              </a:rPr>
+              <a:t>модели диффузии инноваций для прогнозирования </a:t>
+            </a:r>
+            <a:r>
+              <a:rPr lang="ru-RU" sz="2800" dirty="0" smtClean="0">
+                <a:latin typeface="Times New Roman" panose="02020603050405020304" pitchFamily="18" charset="0"/>
+                <a:cs typeface="Times New Roman" panose="02020603050405020304" pitchFamily="18" charset="0"/>
+              </a:rPr>
+              <a:t>ветроэнергетики.</a:t>
             </a:r>
           </a:p>
           <a:p>
@@ -12429,7 +12510,7 @@
     <mc:Choice Requires="p14">
       <p:transition spd="slow" p14:dur="2000"/>
     </mc:Choice>
-    <mc:Fallback xmlns="" xmlns:p15="http://schemas.microsoft.com/office/powerpoint/2012/main">
+    <mc:Fallback xmlns:p15="http://schemas.microsoft.com/office/powerpoint/2012/main" xmlns="">
       <p:transition spd="slow"/>
     </mc:Fallback>
   </mc:AlternateContent>
